--- a/Documentation/CS++@VIP2013.pptx
+++ b/Documentation/CS++@VIP2013.pptx
@@ -223,7 +223,7 @@
             <a:fld id="{74EAA763-DFDB-A243-96D7-A1FF8549B507}" type="datetimeFigureOut">
               <a:rPr lang="en-US" smtClean="0"/>
               <a:pPr/>
-              <a:t>9/26/2013</a:t>
+              <a:t>10/21/2013</a:t>
             </a:fld>
             <a:endParaRPr lang="en-US"/>
           </a:p>
@@ -2854,15 +2854,7 @@
             <a:pPr lvl="1"/>
             <a:r>
               <a:rPr lang="en-US" sz="1800" dirty="0" smtClean="0"/>
-              <a:t>To be used as ancestor class for objects to be </a:t>
-            </a:r>
-            <a:r>
-              <a:rPr lang="en-US" sz="1800" dirty="0" smtClean="0"/>
-              <a:t>treated </a:t>
-            </a:r>
-            <a:r>
-              <a:rPr lang="en-US" sz="1800" dirty="0" smtClean="0"/>
-              <a:t>as entity.</a:t>
+              <a:t>To be used as ancestor class for objects to be treated as entity.</a:t>
             </a:r>
           </a:p>
           <a:p>
@@ -2923,7 +2915,7 @@
             </a:r>
             <a:r>
               <a:rPr lang="de-DE" sz="1600" dirty="0" err="1" smtClean="0"/>
-              <a:t>dispactch</a:t>
+              <a:t>dispatch</a:t>
             </a:r>
             <a:r>
               <a:rPr lang="de-DE" sz="1600" dirty="0" smtClean="0"/>
@@ -3388,12 +3380,16 @@
               <a:t> </a:t>
             </a:r>
             <a:r>
-              <a:rPr lang="de-DE" sz="1600" dirty="0" err="1" smtClean="0"/>
-              <a:t>labVIEW</a:t>
+              <a:rPr lang="de-DE" sz="1600" dirty="0"/>
+              <a:t>L</a:t>
             </a:r>
             <a:r>
               <a:rPr lang="de-DE" sz="1600" dirty="0" smtClean="0"/>
-              <a:t> Tools Network</a:t>
+              <a:t>abVIEW </a:t>
+            </a:r>
+            <a:r>
+              <a:rPr lang="de-DE" sz="1600" dirty="0" smtClean="0"/>
+              <a:t>Tools Network</a:t>
             </a:r>
             <a:endParaRPr lang="en-US" sz="1600" dirty="0"/>
           </a:p>
@@ -4549,11 +4545,7 @@
             <a:p>
               <a:r>
                 <a:rPr lang="en-US" dirty="0" smtClean="0"/>
-                <a:t>for </a:t>
-              </a:r>
-              <a:r>
-                <a:rPr lang="en-US" dirty="0" smtClean="0"/>
-                <a:t>building application</a:t>
+                <a:t>for building application</a:t>
               </a:r>
               <a:endParaRPr lang="en-US" dirty="0"/>
             </a:p>
@@ -6075,11 +6067,7 @@
             </a:br>
             <a:r>
               <a:rPr lang="en-US" dirty="0" smtClean="0"/>
-              <a:t>adequate </a:t>
-            </a:r>
-            <a:r>
-              <a:rPr lang="en-US" dirty="0" smtClean="0"/>
-              <a:t>reaction!</a:t>
+              <a:t>adequate reaction!</a:t>
             </a:r>
             <a:endParaRPr lang="en-US" dirty="0"/>
           </a:p>
@@ -6307,11 +6295,7 @@
             </a:r>
             <a:r>
               <a:rPr lang="en-US" dirty="0" smtClean="0"/>
-              <a:t> </a:t>
-            </a:r>
-            <a:r>
-              <a:rPr lang="en-US" dirty="0" smtClean="0"/>
-              <a:t>Framework</a:t>
+              <a:t> Framework</a:t>
             </a:r>
           </a:p>
           <a:p>
@@ -6340,13 +6324,8 @@
           <a:p>
             <a:r>
               <a:rPr lang="en-US" dirty="0" smtClean="0"/>
-              <a:t>NI Actor </a:t>
-            </a:r>
-            <a:r>
-              <a:rPr lang="en-US" dirty="0" smtClean="0"/>
-              <a:t>Framework</a:t>
-            </a:r>
-            <a:endParaRPr lang="en-US" dirty="0" smtClean="0"/>
+              <a:t>NI Actor Framework</a:t>
+            </a:r>
           </a:p>
           <a:p>
             <a:r>
@@ -6358,11 +6337,7 @@
             <a:pPr lvl="1"/>
             <a:r>
               <a:rPr lang="en-US" dirty="0" smtClean="0"/>
-              <a:t>Base </a:t>
-            </a:r>
-            <a:r>
-              <a:rPr lang="en-US" dirty="0" smtClean="0"/>
-              <a:t>Classes &amp; Factory</a:t>
+              <a:t>Base Classes &amp; Factory</a:t>
             </a:r>
           </a:p>
           <a:p>
@@ -6388,11 +6363,7 @@
             <a:pPr lvl="1"/>
             <a:r>
               <a:rPr lang="en-US" dirty="0" smtClean="0"/>
-              <a:t>CS</a:t>
-            </a:r>
-            <a:r>
-              <a:rPr lang="en-US" dirty="0" smtClean="0"/>
-              <a:t>++</a:t>
+              <a:t>CS++</a:t>
             </a:r>
             <a:r>
               <a:rPr lang="en-US" dirty="0" err="1" smtClean="0"/>
@@ -6404,11 +6375,7 @@
             <a:pPr lvl="1"/>
             <a:r>
               <a:rPr lang="en-US" dirty="0" smtClean="0"/>
-              <a:t>CS</a:t>
-            </a:r>
-            <a:r>
-              <a:rPr lang="en-US" dirty="0" smtClean="0"/>
-              <a:t>++</a:t>
+              <a:t>CS++</a:t>
             </a:r>
             <a:r>
               <a:rPr lang="en-US" dirty="0" err="1" smtClean="0"/>
@@ -6583,7 +6550,6 @@
               <a:rPr lang="en-US" dirty="0" smtClean="0"/>
               <a:t> dispatch After Launch Init.vi: Allocate resources here.</a:t>
             </a:r>
-            <a:endParaRPr lang="en-US" dirty="0" smtClean="0"/>
           </a:p>
           <a:p>
             <a:r>
@@ -6626,11 +6592,7 @@
             <a:pPr lvl="1"/>
             <a:r>
               <a:rPr lang="en-US" dirty="0" smtClean="0"/>
-              <a:t>Trigger an actor to</a:t>
-            </a:r>
-            <a:r>
-              <a:rPr lang="en-US" dirty="0" smtClean="0"/>
-              <a:t> launch an associated GUI actor.</a:t>
+              <a:t>Trigger an actor to launch an associated GUI actor.</a:t>
             </a:r>
             <a:endParaRPr lang="en-US" dirty="0"/>
           </a:p>
@@ -9575,11 +9537,7 @@
             <a:pPr lvl="1"/>
             <a:r>
               <a:rPr lang="de-DE" dirty="0" smtClean="0"/>
-              <a:t>Read </a:t>
-            </a:r>
-            <a:r>
-              <a:rPr lang="de-DE" dirty="0" smtClean="0"/>
-              <a:t>URLs </a:t>
+              <a:t>Read URLs </a:t>
             </a:r>
             <a:r>
               <a:rPr lang="de-DE" dirty="0" err="1" smtClean="0"/>
@@ -9611,11 +9569,7 @@
             </a:r>
             <a:r>
               <a:rPr lang="de-DE" dirty="0" smtClean="0"/>
-              <a:t> </a:t>
-            </a:r>
-            <a:r>
-              <a:rPr lang="de-DE" dirty="0" smtClean="0"/>
-              <a:t>URLs </a:t>
+              <a:t> URLs </a:t>
             </a:r>
             <a:r>
               <a:rPr lang="de-DE" dirty="0" err="1" smtClean="0"/>
@@ -9641,17 +9595,12 @@
               <a:rPr lang="de-DE" dirty="0" smtClean="0"/>
               <a:t> PVs</a:t>
             </a:r>
-            <a:endParaRPr lang="de-DE" dirty="0" smtClean="0"/>
           </a:p>
           <a:p>
             <a:pPr lvl="2"/>
             <a:r>
               <a:rPr lang="de-DE" dirty="0" smtClean="0"/>
-              <a:t>Open PV </a:t>
-            </a:r>
-            <a:r>
-              <a:rPr lang="de-DE" dirty="0" smtClean="0"/>
-              <a:t>Connection</a:t>
+              <a:t>Open PV Connection</a:t>
             </a:r>
           </a:p>
           <a:p>
@@ -9702,15 +9651,7 @@
             <a:pPr lvl="2"/>
             <a:r>
               <a:rPr lang="de-DE" dirty="0" smtClean="0"/>
-              <a:t>Close </a:t>
-            </a:r>
-            <a:r>
-              <a:rPr lang="de-DE" dirty="0" smtClean="0"/>
-              <a:t>PV </a:t>
-            </a:r>
-            <a:r>
-              <a:rPr lang="de-DE" dirty="0" smtClean="0"/>
-              <a:t>Connection</a:t>
+              <a:t>Close PV Connection</a:t>
             </a:r>
           </a:p>
           <a:p>
@@ -11550,11 +11491,11 @@
   <p:clrMapOvr>
     <a:masterClrMapping/>
   </p:clrMapOvr>
-  <mc:AlternateContent xmlns:mc="http://schemas.openxmlformats.org/markup-compatibility/2006">
-    <mc:Choice xmlns:p14="http://schemas.microsoft.com/office/powerpoint/2010/main" Requires="p14">
+  <mc:AlternateContent xmlns:mc="http://schemas.openxmlformats.org/markup-compatibility/2006" xmlns:p14="http://schemas.microsoft.com/office/powerpoint/2010/main">
+    <mc:Choice Requires="p14">
       <p:transition spd="slow" p14:dur="2000"/>
     </mc:Choice>
-    <mc:Fallback>
+    <mc:Fallback xmlns="">
       <p:transition spd="slow"/>
     </mc:Fallback>
   </mc:AlternateContent>
@@ -11964,7 +11905,7 @@
           <a:graphicData uri="http://schemas.openxmlformats.org/presentationml/2006/ole">
             <mc:AlternateContent xmlns:mc="http://schemas.openxmlformats.org/markup-compatibility/2006">
               <mc:Choice xmlns:v="urn:schemas-microsoft-com:vml" Requires="v">
-                <p:oleObj spid="_x0000_s2116" r:id="rId3" imgW="2462463" imgH="1233830" progId="Visio.Drawing.6">
+                <p:oleObj spid="_x0000_s2119" r:id="rId3" imgW="2462463" imgH="1233830" progId="Visio.Drawing.6">
                   <p:embed/>
                 </p:oleObj>
               </mc:Choice>
@@ -12341,7 +12282,7 @@
           <a:graphicData uri="http://schemas.openxmlformats.org/presentationml/2006/ole">
             <mc:AlternateContent xmlns:mc="http://schemas.openxmlformats.org/markup-compatibility/2006">
               <mc:Choice xmlns:v="urn:schemas-microsoft-com:vml" Requires="v">
-                <p:oleObj spid="_x0000_s3139" r:id="rId3" imgW="4161001" imgH="3037596" progId="Visio.Drawing.6">
+                <p:oleObj spid="_x0000_s3142" r:id="rId3" imgW="4161001" imgH="3037596" progId="Visio.Drawing.6">
                   <p:embed/>
                 </p:oleObj>
               </mc:Choice>
@@ -12590,11 +12531,7 @@
             </a:r>
             <a:r>
               <a:rPr lang="de-DE" dirty="0" smtClean="0"/>
-              <a:t> </a:t>
-            </a:r>
-            <a:r>
-              <a:rPr lang="de-DE" dirty="0" smtClean="0"/>
-              <a:t>CS++</a:t>
+              <a:t> CS++</a:t>
             </a:r>
             <a:endParaRPr lang="en-US" dirty="0"/>
           </a:p>
